--- a/Documentation/Images/Figures_nodes.pptx
+++ b/Documentation/Images/Figures_nodes.pptx
@@ -6,6 +6,7 @@
   </p:sldMasterIdLst>
   <p:sldIdLst>
     <p:sldId id="256" r:id="rId2"/>
+    <p:sldId id="258" r:id="rId3"/>
   </p:sldIdLst>
   <p:sldSz cx="12192000" cy="6858000"/>
   <p:notesSz cx="6858000" cy="9144000"/>
@@ -104,19 +105,183 @@
       </a:defRPr>
     </a:lvl9pPr>
   </p:defaultTextStyle>
+  <p:extLst>
+    <p:ext uri="{EFAFB233-063F-42B5-8137-9DF3F51BA10A}">
+      <p15:sldGuideLst xmlns:p15="http://schemas.microsoft.com/office/powerpoint/2012/main"/>
+    </p:ext>
+  </p:extLst>
 </p:presentation>
 </file>
 
 <file path=ppt/revisionInfo.xml><?xml version="1.0" encoding="utf-8"?>
 <p1510:revInfo xmlns:a="http://schemas.openxmlformats.org/drawingml/2006/main" xmlns:r="http://schemas.openxmlformats.org/officeDocument/2006/relationships" xmlns:p1510="http://schemas.microsoft.com/office/powerpoint/2015/10/main">
   <p1510:revLst>
-    <p1510:client id="{F5E3FC46-D090-4492-8058-1FF38DA38B0A}" v="10" dt="2021-10-25T15:11:03.907"/>
+    <p1510:client id="{C0866040-779F-4012-A0D8-8DA867A0B53C}" v="18" dt="2023-09-03T10:05:08.298"/>
   </p1510:revLst>
 </p1510:revInfo>
 </file>
 
 <file path=ppt/changesInfos/changesInfo1.xml><?xml version="1.0" encoding="utf-8"?>
 <pc:chgInfo xmlns:a="http://schemas.openxmlformats.org/drawingml/2006/main" xmlns:r="http://schemas.openxmlformats.org/officeDocument/2006/relationships" xmlns:ac="http://schemas.microsoft.com/office/drawing/2013/main/command" xmlns:pc="http://schemas.microsoft.com/office/powerpoint/2013/main/command">
+  <pc:docChgLst>
+    <pc:chgData name="Dr. Manel Puig i Vidal" userId="0d549d0e-cb25-4ad8-b3a5-db046c349dfe" providerId="ADAL" clId="{C0866040-779F-4012-A0D8-8DA867A0B53C}"/>
+    <pc:docChg chg="custSel addSld delSld modSld">
+      <pc:chgData name="Dr. Manel Puig i Vidal" userId="0d549d0e-cb25-4ad8-b3a5-db046c349dfe" providerId="ADAL" clId="{C0866040-779F-4012-A0D8-8DA867A0B53C}" dt="2023-09-03T10:05:36.149" v="215" actId="1037"/>
+      <pc:docMkLst>
+        <pc:docMk/>
+      </pc:docMkLst>
+      <pc:sldChg chg="new del">
+        <pc:chgData name="Dr. Manel Puig i Vidal" userId="0d549d0e-cb25-4ad8-b3a5-db046c349dfe" providerId="ADAL" clId="{C0866040-779F-4012-A0D8-8DA867A0B53C}" dt="2023-09-03T09:47:30.009" v="2" actId="47"/>
+        <pc:sldMkLst>
+          <pc:docMk/>
+          <pc:sldMk cId="2506392782" sldId="257"/>
+        </pc:sldMkLst>
+      </pc:sldChg>
+      <pc:sldChg chg="addSp modSp new mod">
+        <pc:chgData name="Dr. Manel Puig i Vidal" userId="0d549d0e-cb25-4ad8-b3a5-db046c349dfe" providerId="ADAL" clId="{C0866040-779F-4012-A0D8-8DA867A0B53C}" dt="2023-09-03T10:05:36.149" v="215" actId="1037"/>
+        <pc:sldMkLst>
+          <pc:docMk/>
+          <pc:sldMk cId="735934044" sldId="258"/>
+        </pc:sldMkLst>
+        <pc:spChg chg="add mod">
+          <ac:chgData name="Dr. Manel Puig i Vidal" userId="0d549d0e-cb25-4ad8-b3a5-db046c349dfe" providerId="ADAL" clId="{C0866040-779F-4012-A0D8-8DA867A0B53C}" dt="2023-09-03T09:48:12.447" v="7" actId="207"/>
+          <ac:spMkLst>
+            <pc:docMk/>
+            <pc:sldMk cId="735934044" sldId="258"/>
+            <ac:spMk id="4" creationId="{C6AB20C5-A7BC-6612-248D-A75FBC9A800D}"/>
+          </ac:spMkLst>
+        </pc:spChg>
+        <pc:spChg chg="add mod">
+          <ac:chgData name="Dr. Manel Puig i Vidal" userId="0d549d0e-cb25-4ad8-b3a5-db046c349dfe" providerId="ADAL" clId="{C0866040-779F-4012-A0D8-8DA867A0B53C}" dt="2023-09-03T09:48:39.868" v="31" actId="1037"/>
+          <ac:spMkLst>
+            <pc:docMk/>
+            <pc:sldMk cId="735934044" sldId="258"/>
+            <ac:spMk id="5" creationId="{BF503098-28B2-EF1D-B0B8-76B182033D54}"/>
+          </ac:spMkLst>
+        </pc:spChg>
+        <pc:spChg chg="add mod">
+          <ac:chgData name="Dr. Manel Puig i Vidal" userId="0d549d0e-cb25-4ad8-b3a5-db046c349dfe" providerId="ADAL" clId="{C0866040-779F-4012-A0D8-8DA867A0B53C}" dt="2023-09-03T09:49:44.930" v="38" actId="14100"/>
+          <ac:spMkLst>
+            <pc:docMk/>
+            <pc:sldMk cId="735934044" sldId="258"/>
+            <ac:spMk id="8" creationId="{BEB5FF94-37E2-3CB3-A99E-F1D43202AB24}"/>
+          </ac:spMkLst>
+        </pc:spChg>
+        <pc:spChg chg="add mod">
+          <ac:chgData name="Dr. Manel Puig i Vidal" userId="0d549d0e-cb25-4ad8-b3a5-db046c349dfe" providerId="ADAL" clId="{C0866040-779F-4012-A0D8-8DA867A0B53C}" dt="2023-09-03T10:02:15.466" v="173" actId="1076"/>
+          <ac:spMkLst>
+            <pc:docMk/>
+            <pc:sldMk cId="735934044" sldId="258"/>
+            <ac:spMk id="9" creationId="{330AD672-5ED1-D251-2F56-1A55AFC139DD}"/>
+          </ac:spMkLst>
+        </pc:spChg>
+        <pc:spChg chg="add mod">
+          <ac:chgData name="Dr. Manel Puig i Vidal" userId="0d549d0e-cb25-4ad8-b3a5-db046c349dfe" providerId="ADAL" clId="{C0866040-779F-4012-A0D8-8DA867A0B53C}" dt="2023-09-03T09:52:12.889" v="89"/>
+          <ac:spMkLst>
+            <pc:docMk/>
+            <pc:sldMk cId="735934044" sldId="258"/>
+            <ac:spMk id="10" creationId="{C28BEA6B-CB8C-590A-ED4A-B3B6861227E8}"/>
+          </ac:spMkLst>
+        </pc:spChg>
+        <pc:spChg chg="add mod">
+          <ac:chgData name="Dr. Manel Puig i Vidal" userId="0d549d0e-cb25-4ad8-b3a5-db046c349dfe" providerId="ADAL" clId="{C0866040-779F-4012-A0D8-8DA867A0B53C}" dt="2023-09-03T09:55:28.685" v="110" actId="403"/>
+          <ac:spMkLst>
+            <pc:docMk/>
+            <pc:sldMk cId="735934044" sldId="258"/>
+            <ac:spMk id="19" creationId="{3DDA6058-6749-EC65-34F0-DB3888795955}"/>
+          </ac:spMkLst>
+        </pc:spChg>
+        <pc:spChg chg="add mod">
+          <ac:chgData name="Dr. Manel Puig i Vidal" userId="0d549d0e-cb25-4ad8-b3a5-db046c349dfe" providerId="ADAL" clId="{C0866040-779F-4012-A0D8-8DA867A0B53C}" dt="2023-09-03T10:05:36.149" v="215" actId="1037"/>
+          <ac:spMkLst>
+            <pc:docMk/>
+            <pc:sldMk cId="735934044" sldId="258"/>
+            <ac:spMk id="20" creationId="{AFE05C81-6465-5560-2840-35280AB7FA02}"/>
+          </ac:spMkLst>
+        </pc:spChg>
+        <pc:spChg chg="add mod">
+          <ac:chgData name="Dr. Manel Puig i Vidal" userId="0d549d0e-cb25-4ad8-b3a5-db046c349dfe" providerId="ADAL" clId="{C0866040-779F-4012-A0D8-8DA867A0B53C}" dt="2023-09-03T09:58:22.834" v="139" actId="688"/>
+          <ac:spMkLst>
+            <pc:docMk/>
+            <pc:sldMk cId="735934044" sldId="258"/>
+            <ac:spMk id="21" creationId="{6AF89E95-8518-A0DC-9FAE-82E4D05DA142}"/>
+          </ac:spMkLst>
+        </pc:spChg>
+        <pc:spChg chg="add mod">
+          <ac:chgData name="Dr. Manel Puig i Vidal" userId="0d549d0e-cb25-4ad8-b3a5-db046c349dfe" providerId="ADAL" clId="{C0866040-779F-4012-A0D8-8DA867A0B53C}" dt="2023-09-03T10:05:36.149" v="215" actId="1037"/>
+          <ac:spMkLst>
+            <pc:docMk/>
+            <pc:sldMk cId="735934044" sldId="258"/>
+            <ac:spMk id="22" creationId="{DF15CD3D-C721-47D0-7024-ABDE23206B1F}"/>
+          </ac:spMkLst>
+        </pc:spChg>
+        <pc:spChg chg="add mod">
+          <ac:chgData name="Dr. Manel Puig i Vidal" userId="0d549d0e-cb25-4ad8-b3a5-db046c349dfe" providerId="ADAL" clId="{C0866040-779F-4012-A0D8-8DA867A0B53C}" dt="2023-09-03T10:02:20.514" v="174" actId="1076"/>
+          <ac:spMkLst>
+            <pc:docMk/>
+            <pc:sldMk cId="735934044" sldId="258"/>
+            <ac:spMk id="23" creationId="{E9511718-A8BA-346C-248D-47FA39F59D51}"/>
+          </ac:spMkLst>
+        </pc:spChg>
+        <pc:spChg chg="add mod">
+          <ac:chgData name="Dr. Manel Puig i Vidal" userId="0d549d0e-cb25-4ad8-b3a5-db046c349dfe" providerId="ADAL" clId="{C0866040-779F-4012-A0D8-8DA867A0B53C}" dt="2023-09-03T10:02:48.178" v="187" actId="1076"/>
+          <ac:spMkLst>
+            <pc:docMk/>
+            <pc:sldMk cId="735934044" sldId="258"/>
+            <ac:spMk id="24" creationId="{98A4D7D9-4915-45AF-2AC4-DF29A50968D0}"/>
+          </ac:spMkLst>
+        </pc:spChg>
+        <pc:spChg chg="add mod">
+          <ac:chgData name="Dr. Manel Puig i Vidal" userId="0d549d0e-cb25-4ad8-b3a5-db046c349dfe" providerId="ADAL" clId="{C0866040-779F-4012-A0D8-8DA867A0B53C}" dt="2023-09-03T10:05:36.149" v="215" actId="1037"/>
+          <ac:spMkLst>
+            <pc:docMk/>
+            <pc:sldMk cId="735934044" sldId="258"/>
+            <ac:spMk id="26" creationId="{9815F27E-EB64-5343-CB9D-D33D4CEE87F9}"/>
+          </ac:spMkLst>
+        </pc:spChg>
+        <pc:spChg chg="add mod">
+          <ac:chgData name="Dr. Manel Puig i Vidal" userId="0d549d0e-cb25-4ad8-b3a5-db046c349dfe" providerId="ADAL" clId="{C0866040-779F-4012-A0D8-8DA867A0B53C}" dt="2023-09-03T10:05:36.149" v="215" actId="1037"/>
+          <ac:spMkLst>
+            <pc:docMk/>
+            <pc:sldMk cId="735934044" sldId="258"/>
+            <ac:spMk id="28" creationId="{2B6E1E4E-B836-1560-FBBF-FD47B0040269}"/>
+          </ac:spMkLst>
+        </pc:spChg>
+        <pc:cxnChg chg="add mod">
+          <ac:chgData name="Dr. Manel Puig i Vidal" userId="0d549d0e-cb25-4ad8-b3a5-db046c349dfe" providerId="ADAL" clId="{C0866040-779F-4012-A0D8-8DA867A0B53C}" dt="2023-09-03T09:47:47.165" v="4" actId="1582"/>
+          <ac:cxnSpMkLst>
+            <pc:docMk/>
+            <pc:sldMk cId="735934044" sldId="258"/>
+            <ac:cxnSpMk id="3" creationId="{46AAF2A8-F8D4-8685-A89D-87B71A11E2B4}"/>
+          </ac:cxnSpMkLst>
+        </pc:cxnChg>
+        <pc:cxnChg chg="add mod">
+          <ac:chgData name="Dr. Manel Puig i Vidal" userId="0d549d0e-cb25-4ad8-b3a5-db046c349dfe" providerId="ADAL" clId="{C0866040-779F-4012-A0D8-8DA867A0B53C}" dt="2023-09-03T09:53:27.613" v="96" actId="1582"/>
+          <ac:cxnSpMkLst>
+            <pc:docMk/>
+            <pc:sldMk cId="735934044" sldId="258"/>
+            <ac:cxnSpMk id="7" creationId="{43A86582-FFBB-A30C-CFE4-F6B2B4CEA9B2}"/>
+          </ac:cxnSpMkLst>
+        </pc:cxnChg>
+        <pc:cxnChg chg="add mod ord">
+          <ac:chgData name="Dr. Manel Puig i Vidal" userId="0d549d0e-cb25-4ad8-b3a5-db046c349dfe" providerId="ADAL" clId="{C0866040-779F-4012-A0D8-8DA867A0B53C}" dt="2023-09-03T09:53:12.756" v="95" actId="167"/>
+          <ac:cxnSpMkLst>
+            <pc:docMk/>
+            <pc:sldMk cId="735934044" sldId="258"/>
+            <ac:cxnSpMk id="12" creationId="{4C4F9AC8-07AA-7474-040D-F6D21959AE10}"/>
+          </ac:cxnSpMkLst>
+        </pc:cxnChg>
+        <pc:cxnChg chg="add mod">
+          <ac:chgData name="Dr. Manel Puig i Vidal" userId="0d549d0e-cb25-4ad8-b3a5-db046c349dfe" providerId="ADAL" clId="{C0866040-779F-4012-A0D8-8DA867A0B53C}" dt="2023-09-03T09:54:42.202" v="103" actId="14100"/>
+          <ac:cxnSpMkLst>
+            <pc:docMk/>
+            <pc:sldMk cId="735934044" sldId="258"/>
+            <ac:cxnSpMk id="14" creationId="{F0B8AC88-C81C-06B1-C132-6C973E6A6EB5}"/>
+          </ac:cxnSpMkLst>
+        </pc:cxnChg>
+      </pc:sldChg>
+    </pc:docChg>
+  </pc:docChgLst>
   <pc:docChgLst>
     <pc:chgData name="Dr. Manel Puig i Vidal" userId="0d549d0e-cb25-4ad8-b3a5-db046c349dfe" providerId="ADAL" clId="{F5E3FC46-D090-4492-8058-1FF38DA38B0A}"/>
     <pc:docChg chg="custSel addSld modSld">
@@ -379,7 +544,7 @@
           <a:p>
             <a:fld id="{E45C3B1E-5F59-435C-A8AE-62DF7BDFC188}" type="datetimeFigureOut">
               <a:rPr lang="es-ES" smtClean="0"/>
-              <a:t>25/10/2021</a:t>
+              <a:t>03/09/2023</a:t>
             </a:fld>
             <a:endParaRPr lang="es-ES"/>
           </a:p>
@@ -433,7 +598,7 @@
           <a:p>
             <a:fld id="{6F116F77-13B4-4C85-99E0-0D3AC2A48688}" type="slidenum">
               <a:rPr lang="es-ES" smtClean="0"/>
-              <a:t>‹Nº›</a:t>
+              <a:t>‹#›</a:t>
             </a:fld>
             <a:endParaRPr lang="es-ES"/>
           </a:p>
@@ -577,7 +742,7 @@
           <a:p>
             <a:fld id="{E45C3B1E-5F59-435C-A8AE-62DF7BDFC188}" type="datetimeFigureOut">
               <a:rPr lang="es-ES" smtClean="0"/>
-              <a:t>25/10/2021</a:t>
+              <a:t>03/09/2023</a:t>
             </a:fld>
             <a:endParaRPr lang="es-ES"/>
           </a:p>
@@ -631,7 +796,7 @@
           <a:p>
             <a:fld id="{6F116F77-13B4-4C85-99E0-0D3AC2A48688}" type="slidenum">
               <a:rPr lang="es-ES" smtClean="0"/>
-              <a:t>‹Nº›</a:t>
+              <a:t>‹#›</a:t>
             </a:fld>
             <a:endParaRPr lang="es-ES"/>
           </a:p>
@@ -785,7 +950,7 @@
           <a:p>
             <a:fld id="{E45C3B1E-5F59-435C-A8AE-62DF7BDFC188}" type="datetimeFigureOut">
               <a:rPr lang="es-ES" smtClean="0"/>
-              <a:t>25/10/2021</a:t>
+              <a:t>03/09/2023</a:t>
             </a:fld>
             <a:endParaRPr lang="es-ES"/>
           </a:p>
@@ -839,7 +1004,7 @@
           <a:p>
             <a:fld id="{6F116F77-13B4-4C85-99E0-0D3AC2A48688}" type="slidenum">
               <a:rPr lang="es-ES" smtClean="0"/>
-              <a:t>‹Nº›</a:t>
+              <a:t>‹#›</a:t>
             </a:fld>
             <a:endParaRPr lang="es-ES"/>
           </a:p>
@@ -983,7 +1148,7 @@
           <a:p>
             <a:fld id="{E45C3B1E-5F59-435C-A8AE-62DF7BDFC188}" type="datetimeFigureOut">
               <a:rPr lang="es-ES" smtClean="0"/>
-              <a:t>25/10/2021</a:t>
+              <a:t>03/09/2023</a:t>
             </a:fld>
             <a:endParaRPr lang="es-ES"/>
           </a:p>
@@ -1037,7 +1202,7 @@
           <a:p>
             <a:fld id="{6F116F77-13B4-4C85-99E0-0D3AC2A48688}" type="slidenum">
               <a:rPr lang="es-ES" smtClean="0"/>
-              <a:t>‹Nº›</a:t>
+              <a:t>‹#›</a:t>
             </a:fld>
             <a:endParaRPr lang="es-ES"/>
           </a:p>
@@ -1258,7 +1423,7 @@
           <a:p>
             <a:fld id="{E45C3B1E-5F59-435C-A8AE-62DF7BDFC188}" type="datetimeFigureOut">
               <a:rPr lang="es-ES" smtClean="0"/>
-              <a:t>25/10/2021</a:t>
+              <a:t>03/09/2023</a:t>
             </a:fld>
             <a:endParaRPr lang="es-ES"/>
           </a:p>
@@ -1312,7 +1477,7 @@
           <a:p>
             <a:fld id="{6F116F77-13B4-4C85-99E0-0D3AC2A48688}" type="slidenum">
               <a:rPr lang="es-ES" smtClean="0"/>
-              <a:t>‹Nº›</a:t>
+              <a:t>‹#›</a:t>
             </a:fld>
             <a:endParaRPr lang="es-ES"/>
           </a:p>
@@ -1523,7 +1688,7 @@
           <a:p>
             <a:fld id="{E45C3B1E-5F59-435C-A8AE-62DF7BDFC188}" type="datetimeFigureOut">
               <a:rPr lang="es-ES" smtClean="0"/>
-              <a:t>25/10/2021</a:t>
+              <a:t>03/09/2023</a:t>
             </a:fld>
             <a:endParaRPr lang="es-ES"/>
           </a:p>
@@ -1577,7 +1742,7 @@
           <a:p>
             <a:fld id="{6F116F77-13B4-4C85-99E0-0D3AC2A48688}" type="slidenum">
               <a:rPr lang="es-ES" smtClean="0"/>
-              <a:t>‹Nº›</a:t>
+              <a:t>‹#›</a:t>
             </a:fld>
             <a:endParaRPr lang="es-ES"/>
           </a:p>
@@ -1935,7 +2100,7 @@
           <a:p>
             <a:fld id="{E45C3B1E-5F59-435C-A8AE-62DF7BDFC188}" type="datetimeFigureOut">
               <a:rPr lang="es-ES" smtClean="0"/>
-              <a:t>25/10/2021</a:t>
+              <a:t>03/09/2023</a:t>
             </a:fld>
             <a:endParaRPr lang="es-ES"/>
           </a:p>
@@ -1989,7 +2154,7 @@
           <a:p>
             <a:fld id="{6F116F77-13B4-4C85-99E0-0D3AC2A48688}" type="slidenum">
               <a:rPr lang="es-ES" smtClean="0"/>
-              <a:t>‹Nº›</a:t>
+              <a:t>‹#›</a:t>
             </a:fld>
             <a:endParaRPr lang="es-ES"/>
           </a:p>
@@ -2076,7 +2241,7 @@
           <a:p>
             <a:fld id="{E45C3B1E-5F59-435C-A8AE-62DF7BDFC188}" type="datetimeFigureOut">
               <a:rPr lang="es-ES" smtClean="0"/>
-              <a:t>25/10/2021</a:t>
+              <a:t>03/09/2023</a:t>
             </a:fld>
             <a:endParaRPr lang="es-ES"/>
           </a:p>
@@ -2130,7 +2295,7 @@
           <a:p>
             <a:fld id="{6F116F77-13B4-4C85-99E0-0D3AC2A48688}" type="slidenum">
               <a:rPr lang="es-ES" smtClean="0"/>
-              <a:t>‹Nº›</a:t>
+              <a:t>‹#›</a:t>
             </a:fld>
             <a:endParaRPr lang="es-ES"/>
           </a:p>
@@ -2189,7 +2354,7 @@
           <a:p>
             <a:fld id="{E45C3B1E-5F59-435C-A8AE-62DF7BDFC188}" type="datetimeFigureOut">
               <a:rPr lang="es-ES" smtClean="0"/>
-              <a:t>25/10/2021</a:t>
+              <a:t>03/09/2023</a:t>
             </a:fld>
             <a:endParaRPr lang="es-ES"/>
           </a:p>
@@ -2243,7 +2408,7 @@
           <a:p>
             <a:fld id="{6F116F77-13B4-4C85-99E0-0D3AC2A48688}" type="slidenum">
               <a:rPr lang="es-ES" smtClean="0"/>
-              <a:t>‹Nº›</a:t>
+              <a:t>‹#›</a:t>
             </a:fld>
             <a:endParaRPr lang="es-ES"/>
           </a:p>
@@ -2500,7 +2665,7 @@
           <a:p>
             <a:fld id="{E45C3B1E-5F59-435C-A8AE-62DF7BDFC188}" type="datetimeFigureOut">
               <a:rPr lang="es-ES" smtClean="0"/>
-              <a:t>25/10/2021</a:t>
+              <a:t>03/09/2023</a:t>
             </a:fld>
             <a:endParaRPr lang="es-ES"/>
           </a:p>
@@ -2554,7 +2719,7 @@
           <a:p>
             <a:fld id="{6F116F77-13B4-4C85-99E0-0D3AC2A48688}" type="slidenum">
               <a:rPr lang="es-ES" smtClean="0"/>
-              <a:t>‹Nº›</a:t>
+              <a:t>‹#›</a:t>
             </a:fld>
             <a:endParaRPr lang="es-ES"/>
           </a:p>
@@ -2788,7 +2953,7 @@
           <a:p>
             <a:fld id="{E45C3B1E-5F59-435C-A8AE-62DF7BDFC188}" type="datetimeFigureOut">
               <a:rPr lang="es-ES" smtClean="0"/>
-              <a:t>25/10/2021</a:t>
+              <a:t>03/09/2023</a:t>
             </a:fld>
             <a:endParaRPr lang="es-ES"/>
           </a:p>
@@ -2842,7 +3007,7 @@
           <a:p>
             <a:fld id="{6F116F77-13B4-4C85-99E0-0D3AC2A48688}" type="slidenum">
               <a:rPr lang="es-ES" smtClean="0"/>
-              <a:t>‹Nº›</a:t>
+              <a:t>‹#›</a:t>
             </a:fld>
             <a:endParaRPr lang="es-ES"/>
           </a:p>
@@ -3029,7 +3194,7 @@
           <a:p>
             <a:fld id="{E45C3B1E-5F59-435C-A8AE-62DF7BDFC188}" type="datetimeFigureOut">
               <a:rPr lang="es-ES" smtClean="0"/>
-              <a:t>25/10/2021</a:t>
+              <a:t>03/09/2023</a:t>
             </a:fld>
             <a:endParaRPr lang="es-ES"/>
           </a:p>
@@ -3119,7 +3284,7 @@
           <a:p>
             <a:fld id="{6F116F77-13B4-4C85-99E0-0D3AC2A48688}" type="slidenum">
               <a:rPr lang="es-ES" smtClean="0"/>
-              <a:t>‹Nº›</a:t>
+              <a:t>‹#›</a:t>
             </a:fld>
             <a:endParaRPr lang="es-ES"/>
           </a:p>
@@ -3860,6 +4025,772 @@
 </p:sld>
 </file>
 
+<file path=ppt/slides/slide2.xml><?xml version="1.0" encoding="utf-8"?>
+<p:sld xmlns:a="http://schemas.openxmlformats.org/drawingml/2006/main" xmlns:r="http://schemas.openxmlformats.org/officeDocument/2006/relationships" xmlns:p="http://schemas.openxmlformats.org/presentationml/2006/main">
+  <p:cSld>
+    <p:spTree>
+      <p:nvGrpSpPr>
+        <p:cNvPr id="1" name=""/>
+        <p:cNvGrpSpPr/>
+        <p:nvPr/>
+      </p:nvGrpSpPr>
+      <p:grpSpPr>
+        <a:xfrm>
+          <a:off x="0" y="0"/>
+          <a:ext cx="0" cy="0"/>
+          <a:chOff x="0" y="0"/>
+          <a:chExt cx="0" cy="0"/>
+        </a:xfrm>
+      </p:grpSpPr>
+      <p:cxnSp>
+        <p:nvCxnSpPr>
+          <p:cNvPr id="12" name="Straight Connector 11">
+            <a:extLst>
+              <a:ext uri="{FF2B5EF4-FFF2-40B4-BE49-F238E27FC236}">
+                <a16:creationId xmlns:a16="http://schemas.microsoft.com/office/drawing/2014/main" id="{4C4F9AC8-07AA-7474-040D-F6D21959AE10}"/>
+              </a:ext>
+            </a:extLst>
+          </p:cNvPr>
+          <p:cNvCxnSpPr>
+            <a:cxnSpLocks/>
+            <a:stCxn id="8" idx="3"/>
+          </p:cNvCxnSpPr>
+          <p:nvPr/>
+        </p:nvCxnSpPr>
+        <p:spPr>
+          <a:xfrm flipV="1">
+            <a:off x="3229717" y="3858573"/>
+            <a:ext cx="1570883" cy="319299"/>
+          </a:xfrm>
+          <a:prstGeom prst="line">
+            <a:avLst/>
+          </a:prstGeom>
+          <a:ln>
+            <a:prstDash val="dash"/>
+          </a:ln>
+        </p:spPr>
+        <p:style>
+          <a:lnRef idx="1">
+            <a:schemeClr val="accent2"/>
+          </a:lnRef>
+          <a:fillRef idx="0">
+            <a:schemeClr val="accent2"/>
+          </a:fillRef>
+          <a:effectRef idx="0">
+            <a:schemeClr val="accent2"/>
+          </a:effectRef>
+          <a:fontRef idx="minor">
+            <a:schemeClr val="tx1"/>
+          </a:fontRef>
+        </p:style>
+      </p:cxnSp>
+      <p:cxnSp>
+        <p:nvCxnSpPr>
+          <p:cNvPr id="3" name="Straight Arrow Connector 2">
+            <a:extLst>
+              <a:ext uri="{FF2B5EF4-FFF2-40B4-BE49-F238E27FC236}">
+                <a16:creationId xmlns:a16="http://schemas.microsoft.com/office/drawing/2014/main" id="{46AAF2A8-F8D4-8685-A89D-87B71A11E2B4}"/>
+              </a:ext>
+            </a:extLst>
+          </p:cNvPr>
+          <p:cNvCxnSpPr/>
+          <p:nvPr/>
+        </p:nvCxnSpPr>
+        <p:spPr>
+          <a:xfrm flipV="1">
+            <a:off x="2865120" y="2484120"/>
+            <a:ext cx="1935480" cy="1783080"/>
+          </a:xfrm>
+          <a:prstGeom prst="straightConnector1">
+            <a:avLst/>
+          </a:prstGeom>
+          <a:ln w="38100">
+            <a:tailEnd type="triangle"/>
+          </a:ln>
+        </p:spPr>
+        <p:style>
+          <a:lnRef idx="1">
+            <a:schemeClr val="accent1"/>
+          </a:lnRef>
+          <a:fillRef idx="0">
+            <a:schemeClr val="accent1"/>
+          </a:fillRef>
+          <a:effectRef idx="0">
+            <a:schemeClr val="accent1"/>
+          </a:effectRef>
+          <a:fontRef idx="minor">
+            <a:schemeClr val="tx1"/>
+          </a:fontRef>
+        </p:style>
+      </p:cxnSp>
+      <p:sp>
+        <p:nvSpPr>
+          <p:cNvPr id="4" name="Star: 5 Points 3">
+            <a:extLst>
+              <a:ext uri="{FF2B5EF4-FFF2-40B4-BE49-F238E27FC236}">
+                <a16:creationId xmlns:a16="http://schemas.microsoft.com/office/drawing/2014/main" id="{C6AB20C5-A7BC-6612-248D-A75FBC9A800D}"/>
+              </a:ext>
+            </a:extLst>
+          </p:cNvPr>
+          <p:cNvSpPr/>
+          <p:nvPr/>
+        </p:nvSpPr>
+        <p:spPr>
+          <a:xfrm>
+            <a:off x="4686300" y="2293620"/>
+            <a:ext cx="350520" cy="381000"/>
+          </a:xfrm>
+          <a:prstGeom prst="star5">
+            <a:avLst/>
+          </a:prstGeom>
+          <a:solidFill>
+            <a:srgbClr val="FFFF00"/>
+          </a:solidFill>
+        </p:spPr>
+        <p:style>
+          <a:lnRef idx="2">
+            <a:schemeClr val="accent1">
+              <a:shade val="15000"/>
+            </a:schemeClr>
+          </a:lnRef>
+          <a:fillRef idx="1">
+            <a:schemeClr val="accent1"/>
+          </a:fillRef>
+          <a:effectRef idx="0">
+            <a:schemeClr val="accent1"/>
+          </a:effectRef>
+          <a:fontRef idx="minor">
+            <a:schemeClr val="lt1"/>
+          </a:fontRef>
+        </p:style>
+        <p:txBody>
+          <a:bodyPr rtlCol="0" anchor="ctr"/>
+          <a:lstStyle/>
+          <a:p>
+            <a:pPr algn="ctr"/>
+            <a:endParaRPr lang="en-GB"/>
+          </a:p>
+        </p:txBody>
+      </p:sp>
+      <p:sp>
+        <p:nvSpPr>
+          <p:cNvPr id="5" name="TextBox 4">
+            <a:extLst>
+              <a:ext uri="{FF2B5EF4-FFF2-40B4-BE49-F238E27FC236}">
+                <a16:creationId xmlns:a16="http://schemas.microsoft.com/office/drawing/2014/main" id="{BF503098-28B2-EF1D-B0B8-76B182033D54}"/>
+              </a:ext>
+            </a:extLst>
+          </p:cNvPr>
+          <p:cNvSpPr txBox="1"/>
+          <p:nvPr/>
+        </p:nvSpPr>
+        <p:spPr>
+          <a:xfrm>
+            <a:off x="5044440" y="2148840"/>
+            <a:ext cx="958468" cy="461665"/>
+          </a:xfrm>
+          <a:prstGeom prst="rect">
+            <a:avLst/>
+          </a:prstGeom>
+          <a:noFill/>
+        </p:spPr>
+        <p:txBody>
+          <a:bodyPr wrap="none" rtlCol="0">
+            <a:spAutoFit/>
+          </a:bodyPr>
+          <a:lstStyle/>
+          <a:p>
+            <a:r>
+              <a:rPr lang="es-ES" sz="2400" dirty="0"/>
+              <a:t>Target</a:t>
+            </a:r>
+            <a:endParaRPr lang="en-GB" sz="2400" dirty="0"/>
+          </a:p>
+        </p:txBody>
+      </p:sp>
+      <p:cxnSp>
+        <p:nvCxnSpPr>
+          <p:cNvPr id="7" name="Straight Arrow Connector 6">
+            <a:extLst>
+              <a:ext uri="{FF2B5EF4-FFF2-40B4-BE49-F238E27FC236}">
+                <a16:creationId xmlns:a16="http://schemas.microsoft.com/office/drawing/2014/main" id="{43A86582-FFBB-A30C-CFE4-F6B2B4CEA9B2}"/>
+              </a:ext>
+            </a:extLst>
+          </p:cNvPr>
+          <p:cNvCxnSpPr/>
+          <p:nvPr/>
+        </p:nvCxnSpPr>
+        <p:spPr>
+          <a:xfrm flipV="1">
+            <a:off x="2865120" y="4053840"/>
+            <a:ext cx="967740" cy="213360"/>
+          </a:xfrm>
+          <a:prstGeom prst="straightConnector1">
+            <a:avLst/>
+          </a:prstGeom>
+          <a:ln w="38100">
+            <a:solidFill>
+              <a:srgbClr val="FF0000"/>
+            </a:solidFill>
+            <a:tailEnd type="triangle"/>
+          </a:ln>
+        </p:spPr>
+        <p:style>
+          <a:lnRef idx="1">
+            <a:schemeClr val="accent1"/>
+          </a:lnRef>
+          <a:fillRef idx="0">
+            <a:schemeClr val="accent1"/>
+          </a:fillRef>
+          <a:effectRef idx="0">
+            <a:schemeClr val="accent1"/>
+          </a:effectRef>
+          <a:fontRef idx="minor">
+            <a:schemeClr val="tx1"/>
+          </a:fontRef>
+        </p:style>
+      </p:cxnSp>
+      <p:sp>
+        <p:nvSpPr>
+          <p:cNvPr id="8" name="Rectangle 7">
+            <a:extLst>
+              <a:ext uri="{FF2B5EF4-FFF2-40B4-BE49-F238E27FC236}">
+                <a16:creationId xmlns:a16="http://schemas.microsoft.com/office/drawing/2014/main" id="{BEB5FF94-37E2-3CB3-A99E-F1D43202AB24}"/>
+              </a:ext>
+            </a:extLst>
+          </p:cNvPr>
+          <p:cNvSpPr/>
+          <p:nvPr/>
+        </p:nvSpPr>
+        <p:spPr>
+          <a:xfrm rot="20889632">
+            <a:off x="2629803" y="4043878"/>
+            <a:ext cx="606364" cy="392396"/>
+          </a:xfrm>
+          <a:prstGeom prst="rect">
+            <a:avLst/>
+          </a:prstGeom>
+          <a:solidFill>
+            <a:srgbClr val="FF0000"/>
+          </a:solidFill>
+        </p:spPr>
+        <p:style>
+          <a:lnRef idx="2">
+            <a:schemeClr val="accent1">
+              <a:shade val="15000"/>
+            </a:schemeClr>
+          </a:lnRef>
+          <a:fillRef idx="1">
+            <a:schemeClr val="accent1"/>
+          </a:fillRef>
+          <a:effectRef idx="0">
+            <a:schemeClr val="accent1"/>
+          </a:effectRef>
+          <a:fontRef idx="minor">
+            <a:schemeClr val="lt1"/>
+          </a:fontRef>
+        </p:style>
+        <p:txBody>
+          <a:bodyPr rtlCol="0" anchor="ctr"/>
+          <a:lstStyle/>
+          <a:p>
+            <a:pPr algn="ctr"/>
+            <a:endParaRPr lang="en-GB"/>
+          </a:p>
+        </p:txBody>
+      </p:sp>
+      <p:sp>
+        <p:nvSpPr>
+          <p:cNvPr id="9" name="TextBox 8">
+            <a:extLst>
+              <a:ext uri="{FF2B5EF4-FFF2-40B4-BE49-F238E27FC236}">
+                <a16:creationId xmlns:a16="http://schemas.microsoft.com/office/drawing/2014/main" id="{330AD672-5ED1-D251-2F56-1A55AFC139DD}"/>
+              </a:ext>
+            </a:extLst>
+          </p:cNvPr>
+          <p:cNvSpPr txBox="1"/>
+          <p:nvPr/>
+        </p:nvSpPr>
+        <p:spPr>
+          <a:xfrm rot="20934702">
+            <a:off x="2180864" y="3685289"/>
+            <a:ext cx="1056828" cy="369332"/>
+          </a:xfrm>
+          <a:prstGeom prst="rect">
+            <a:avLst/>
+          </a:prstGeom>
+          <a:noFill/>
+        </p:spPr>
+        <p:txBody>
+          <a:bodyPr wrap="none" rtlCol="0">
+            <a:spAutoFit/>
+          </a:bodyPr>
+          <a:lstStyle/>
+          <a:p>
+            <a:r>
+              <a:rPr lang="es-ES" dirty="0">
+                <a:solidFill>
+                  <a:srgbClr val="FF0000"/>
+                </a:solidFill>
+              </a:rPr>
+              <a:t>Turtlesim</a:t>
+            </a:r>
+            <a:endParaRPr lang="en-GB" dirty="0">
+              <a:solidFill>
+                <a:srgbClr val="FF0000"/>
+              </a:solidFill>
+            </a:endParaRPr>
+          </a:p>
+        </p:txBody>
+      </p:sp>
+      <p:sp>
+        <p:nvSpPr>
+          <p:cNvPr id="10" name="Arc 9">
+            <a:extLst>
+              <a:ext uri="{FF2B5EF4-FFF2-40B4-BE49-F238E27FC236}">
+                <a16:creationId xmlns:a16="http://schemas.microsoft.com/office/drawing/2014/main" id="{C28BEA6B-CB8C-590A-ED4A-B3B6861227E8}"/>
+              </a:ext>
+            </a:extLst>
+          </p:cNvPr>
+          <p:cNvSpPr/>
+          <p:nvPr/>
+        </p:nvSpPr>
+        <p:spPr>
+          <a:xfrm>
+            <a:off x="1488499" y="3133917"/>
+            <a:ext cx="2768482" cy="2647566"/>
+          </a:xfrm>
+          <a:prstGeom prst="arc">
+            <a:avLst>
+              <a:gd name="adj1" fmla="val 18621362"/>
+              <a:gd name="adj2" fmla="val 20401362"/>
+            </a:avLst>
+          </a:prstGeom>
+          <a:ln w="28575">
+            <a:solidFill>
+              <a:schemeClr val="accent2">
+                <a:lumMod val="60000"/>
+                <a:lumOff val="40000"/>
+              </a:schemeClr>
+            </a:solidFill>
+            <a:prstDash val="sysDash"/>
+            <a:headEnd type="triangle" w="med" len="med"/>
+            <a:tailEnd type="none" w="med" len="med"/>
+          </a:ln>
+        </p:spPr>
+        <p:style>
+          <a:lnRef idx="1">
+            <a:schemeClr val="accent1"/>
+          </a:lnRef>
+          <a:fillRef idx="0">
+            <a:schemeClr val="accent1"/>
+          </a:fillRef>
+          <a:effectRef idx="0">
+            <a:schemeClr val="accent1"/>
+          </a:effectRef>
+          <a:fontRef idx="minor">
+            <a:schemeClr val="tx1"/>
+          </a:fontRef>
+        </p:style>
+        <p:txBody>
+          <a:bodyPr rtlCol="0" anchor="ctr"/>
+          <a:lstStyle/>
+          <a:p>
+            <a:pPr algn="ctr"/>
+            <a:endParaRPr lang="en-GB"/>
+          </a:p>
+        </p:txBody>
+      </p:sp>
+      <p:cxnSp>
+        <p:nvCxnSpPr>
+          <p:cNvPr id="14" name="Straight Connector 13">
+            <a:extLst>
+              <a:ext uri="{FF2B5EF4-FFF2-40B4-BE49-F238E27FC236}">
+                <a16:creationId xmlns:a16="http://schemas.microsoft.com/office/drawing/2014/main" id="{F0B8AC88-C81C-06B1-C132-6C973E6A6EB5}"/>
+              </a:ext>
+            </a:extLst>
+          </p:cNvPr>
+          <p:cNvCxnSpPr>
+            <a:cxnSpLocks/>
+          </p:cNvCxnSpPr>
+          <p:nvPr/>
+        </p:nvCxnSpPr>
+        <p:spPr>
+          <a:xfrm>
+            <a:off x="2865120" y="4267200"/>
+            <a:ext cx="2575560" cy="0"/>
+          </a:xfrm>
+          <a:prstGeom prst="line">
+            <a:avLst/>
+          </a:prstGeom>
+          <a:ln>
+            <a:solidFill>
+              <a:schemeClr val="tx1"/>
+            </a:solidFill>
+            <a:prstDash val="lgDash"/>
+          </a:ln>
+        </p:spPr>
+        <p:style>
+          <a:lnRef idx="1">
+            <a:schemeClr val="accent2"/>
+          </a:lnRef>
+          <a:fillRef idx="0">
+            <a:schemeClr val="accent2"/>
+          </a:fillRef>
+          <a:effectRef idx="0">
+            <a:schemeClr val="accent2"/>
+          </a:effectRef>
+          <a:fontRef idx="minor">
+            <a:schemeClr val="tx1"/>
+          </a:fontRef>
+        </p:style>
+      </p:cxnSp>
+      <p:sp>
+        <p:nvSpPr>
+          <p:cNvPr id="19" name="TextBox 18">
+            <a:extLst>
+              <a:ext uri="{FF2B5EF4-FFF2-40B4-BE49-F238E27FC236}">
+                <a16:creationId xmlns:a16="http://schemas.microsoft.com/office/drawing/2014/main" id="{3DDA6058-6749-EC65-34F0-DB3888795955}"/>
+              </a:ext>
+            </a:extLst>
+          </p:cNvPr>
+          <p:cNvSpPr txBox="1"/>
+          <p:nvPr/>
+        </p:nvSpPr>
+        <p:spPr>
+          <a:xfrm>
+            <a:off x="4117280" y="3311579"/>
+            <a:ext cx="344966" cy="461665"/>
+          </a:xfrm>
+          <a:prstGeom prst="rect">
+            <a:avLst/>
+          </a:prstGeom>
+          <a:noFill/>
+        </p:spPr>
+        <p:txBody>
+          <a:bodyPr wrap="none" rtlCol="0">
+            <a:spAutoFit/>
+          </a:bodyPr>
+          <a:lstStyle/>
+          <a:p>
+            <a:r>
+              <a:rPr lang="es-ES" sz="2400" b="1" dirty="0">
+                <a:latin typeface="Symbol" panose="05050102010706020507" pitchFamily="18" charset="2"/>
+              </a:rPr>
+              <a:t>q</a:t>
+            </a:r>
+            <a:endParaRPr lang="en-GB" sz="2400" b="1" dirty="0">
+              <a:latin typeface="Symbol" panose="05050102010706020507" pitchFamily="18" charset="2"/>
+            </a:endParaRPr>
+          </a:p>
+        </p:txBody>
+      </p:sp>
+      <p:sp>
+        <p:nvSpPr>
+          <p:cNvPr id="20" name="TextBox 19">
+            <a:extLst>
+              <a:ext uri="{FF2B5EF4-FFF2-40B4-BE49-F238E27FC236}">
+                <a16:creationId xmlns:a16="http://schemas.microsoft.com/office/drawing/2014/main" id="{AFE05C81-6465-5560-2840-35280AB7FA02}"/>
+              </a:ext>
+            </a:extLst>
+          </p:cNvPr>
+          <p:cNvSpPr txBox="1"/>
+          <p:nvPr/>
+        </p:nvSpPr>
+        <p:spPr>
+          <a:xfrm>
+            <a:off x="4686338" y="3221027"/>
+            <a:ext cx="1072730" cy="461665"/>
+          </a:xfrm>
+          <a:prstGeom prst="rect">
+            <a:avLst/>
+          </a:prstGeom>
+          <a:noFill/>
+        </p:spPr>
+        <p:txBody>
+          <a:bodyPr wrap="none" rtlCol="0">
+            <a:spAutoFit/>
+          </a:bodyPr>
+          <a:lstStyle/>
+          <a:p>
+            <a:r>
+              <a:rPr lang="es-ES" sz="2400" b="1" dirty="0">
+                <a:latin typeface="Symbol" panose="05050102010706020507" pitchFamily="18" charset="2"/>
+              </a:rPr>
+              <a:t>w=</a:t>
+            </a:r>
+            <a:r>
+              <a:rPr lang="es-ES" sz="2400" b="1" dirty="0">
+                <a:latin typeface="Arial" panose="020B0604020202020204" pitchFamily="34" charset="0"/>
+                <a:cs typeface="Arial" panose="020B0604020202020204" pitchFamily="34" charset="0"/>
+              </a:rPr>
+              <a:t>c</a:t>
+            </a:r>
+            <a:r>
+              <a:rPr lang="es-ES" sz="2400" b="1" dirty="0">
+                <a:latin typeface="Symbol" panose="05050102010706020507" pitchFamily="18" charset="2"/>
+              </a:rPr>
+              <a:t>*q</a:t>
+            </a:r>
+            <a:endParaRPr lang="en-GB" sz="2400" b="1" dirty="0">
+              <a:latin typeface="Symbol" panose="05050102010706020507" pitchFamily="18" charset="2"/>
+            </a:endParaRPr>
+          </a:p>
+        </p:txBody>
+      </p:sp>
+      <p:sp>
+        <p:nvSpPr>
+          <p:cNvPr id="21" name="TextBox 20">
+            <a:extLst>
+              <a:ext uri="{FF2B5EF4-FFF2-40B4-BE49-F238E27FC236}">
+                <a16:creationId xmlns:a16="http://schemas.microsoft.com/office/drawing/2014/main" id="{6AF89E95-8518-A0DC-9FAE-82E4D05DA142}"/>
+              </a:ext>
+            </a:extLst>
+          </p:cNvPr>
+          <p:cNvSpPr txBox="1"/>
+          <p:nvPr/>
+        </p:nvSpPr>
+        <p:spPr>
+          <a:xfrm rot="19310502">
+            <a:off x="3505200" y="2895600"/>
+            <a:ext cx="377026" cy="523220"/>
+          </a:xfrm>
+          <a:prstGeom prst="rect">
+            <a:avLst/>
+          </a:prstGeom>
+          <a:noFill/>
+        </p:spPr>
+        <p:txBody>
+          <a:bodyPr wrap="none" rtlCol="0">
+            <a:spAutoFit/>
+          </a:bodyPr>
+          <a:lstStyle/>
+          <a:p>
+            <a:r>
+              <a:rPr lang="es-ES" sz="2800" b="1" dirty="0"/>
+              <a:t>d</a:t>
+            </a:r>
+            <a:endParaRPr lang="en-GB" sz="2800" b="1" dirty="0"/>
+          </a:p>
+        </p:txBody>
+      </p:sp>
+      <p:sp>
+        <p:nvSpPr>
+          <p:cNvPr id="22" name="TextBox 21">
+            <a:extLst>
+              <a:ext uri="{FF2B5EF4-FFF2-40B4-BE49-F238E27FC236}">
+                <a16:creationId xmlns:a16="http://schemas.microsoft.com/office/drawing/2014/main" id="{DF15CD3D-C721-47D0-7024-ABDE23206B1F}"/>
+              </a:ext>
+            </a:extLst>
+          </p:cNvPr>
+          <p:cNvSpPr txBox="1"/>
+          <p:nvPr/>
+        </p:nvSpPr>
+        <p:spPr>
+          <a:xfrm>
+            <a:off x="4690274" y="2727565"/>
+            <a:ext cx="1221809" cy="523220"/>
+          </a:xfrm>
+          <a:prstGeom prst="rect">
+            <a:avLst/>
+          </a:prstGeom>
+          <a:noFill/>
+        </p:spPr>
+        <p:txBody>
+          <a:bodyPr wrap="none" rtlCol="0">
+            <a:spAutoFit/>
+          </a:bodyPr>
+          <a:lstStyle/>
+          <a:p>
+            <a:r>
+              <a:rPr lang="es-ES" sz="2800" b="1" dirty="0"/>
+              <a:t>vx=c*d</a:t>
+            </a:r>
+            <a:endParaRPr lang="en-GB" sz="2800" b="1" dirty="0"/>
+          </a:p>
+        </p:txBody>
+      </p:sp>
+      <p:sp>
+        <p:nvSpPr>
+          <p:cNvPr id="23" name="TextBox 22">
+            <a:extLst>
+              <a:ext uri="{FF2B5EF4-FFF2-40B4-BE49-F238E27FC236}">
+                <a16:creationId xmlns:a16="http://schemas.microsoft.com/office/drawing/2014/main" id="{E9511718-A8BA-346C-248D-47FA39F59D51}"/>
+              </a:ext>
+            </a:extLst>
+          </p:cNvPr>
+          <p:cNvSpPr txBox="1"/>
+          <p:nvPr/>
+        </p:nvSpPr>
+        <p:spPr>
+          <a:xfrm>
+            <a:off x="2235972" y="4515643"/>
+            <a:ext cx="1644361" cy="369332"/>
+          </a:xfrm>
+          <a:prstGeom prst="rect">
+            <a:avLst/>
+          </a:prstGeom>
+          <a:noFill/>
+        </p:spPr>
+        <p:txBody>
+          <a:bodyPr wrap="none" rtlCol="0">
+            <a:spAutoFit/>
+          </a:bodyPr>
+          <a:lstStyle/>
+          <a:p>
+            <a:r>
+              <a:rPr lang="es-ES" dirty="0"/>
+              <a:t>(pose.x, pose.y)</a:t>
+            </a:r>
+            <a:endParaRPr lang="en-GB" dirty="0"/>
+          </a:p>
+        </p:txBody>
+      </p:sp>
+      <p:sp>
+        <p:nvSpPr>
+          <p:cNvPr id="24" name="TextBox 23">
+            <a:extLst>
+              <a:ext uri="{FF2B5EF4-FFF2-40B4-BE49-F238E27FC236}">
+                <a16:creationId xmlns:a16="http://schemas.microsoft.com/office/drawing/2014/main" id="{98A4D7D9-4915-45AF-2AC4-DF29A50968D0}"/>
+              </a:ext>
+            </a:extLst>
+          </p:cNvPr>
+          <p:cNvSpPr txBox="1"/>
+          <p:nvPr/>
+        </p:nvSpPr>
+        <p:spPr>
+          <a:xfrm>
+            <a:off x="3880333" y="1848690"/>
+            <a:ext cx="2661819" cy="369332"/>
+          </a:xfrm>
+          <a:prstGeom prst="rect">
+            <a:avLst/>
+          </a:prstGeom>
+          <a:noFill/>
+        </p:spPr>
+        <p:txBody>
+          <a:bodyPr wrap="none" rtlCol="0">
+            <a:spAutoFit/>
+          </a:bodyPr>
+          <a:lstStyle/>
+          <a:p>
+            <a:r>
+              <a:rPr lang="es-ES" dirty="0"/>
+              <a:t>(goal_pose.x, goal_pose.y)</a:t>
+            </a:r>
+            <a:endParaRPr lang="en-GB" dirty="0"/>
+          </a:p>
+        </p:txBody>
+      </p:sp>
+      <p:sp>
+        <p:nvSpPr>
+          <p:cNvPr id="26" name="TextBox 25">
+            <a:extLst>
+              <a:ext uri="{FF2B5EF4-FFF2-40B4-BE49-F238E27FC236}">
+                <a16:creationId xmlns:a16="http://schemas.microsoft.com/office/drawing/2014/main" id="{9815F27E-EB64-5343-CB9D-D33D4CEE87F9}"/>
+              </a:ext>
+            </a:extLst>
+          </p:cNvPr>
+          <p:cNvSpPr txBox="1"/>
+          <p:nvPr/>
+        </p:nvSpPr>
+        <p:spPr>
+          <a:xfrm>
+            <a:off x="6045597" y="2798242"/>
+            <a:ext cx="2392680" cy="369332"/>
+          </a:xfrm>
+          <a:prstGeom prst="rect">
+            <a:avLst/>
+          </a:prstGeom>
+          <a:noFill/>
+        </p:spPr>
+        <p:txBody>
+          <a:bodyPr wrap="square">
+            <a:spAutoFit/>
+          </a:bodyPr>
+          <a:lstStyle/>
+          <a:p>
+            <a:r>
+              <a:rPr lang="en-GB" b="0" dirty="0">
+                <a:solidFill>
+                  <a:srgbClr val="000000"/>
+                </a:solidFill>
+                <a:effectLst/>
+                <a:latin typeface="Consolas" panose="020B0609020204030204" pitchFamily="49" charset="0"/>
+              </a:rPr>
+              <a:t>vel_msg.linear.x</a:t>
+            </a:r>
+            <a:endParaRPr lang="en-GB" b="0" dirty="0">
+              <a:solidFill>
+                <a:srgbClr val="3B3B3B"/>
+              </a:solidFill>
+              <a:effectLst/>
+              <a:latin typeface="Consolas" panose="020B0609020204030204" pitchFamily="49" charset="0"/>
+            </a:endParaRPr>
+          </a:p>
+        </p:txBody>
+      </p:sp>
+      <p:sp>
+        <p:nvSpPr>
+          <p:cNvPr id="28" name="TextBox 27">
+            <a:extLst>
+              <a:ext uri="{FF2B5EF4-FFF2-40B4-BE49-F238E27FC236}">
+                <a16:creationId xmlns:a16="http://schemas.microsoft.com/office/drawing/2014/main" id="{2B6E1E4E-B836-1560-FBBF-FD47B0040269}"/>
+              </a:ext>
+            </a:extLst>
+          </p:cNvPr>
+          <p:cNvSpPr txBox="1"/>
+          <p:nvPr/>
+        </p:nvSpPr>
+        <p:spPr>
+          <a:xfrm>
+            <a:off x="6045597" y="3249279"/>
+            <a:ext cx="2392680" cy="369332"/>
+          </a:xfrm>
+          <a:prstGeom prst="rect">
+            <a:avLst/>
+          </a:prstGeom>
+          <a:noFill/>
+        </p:spPr>
+        <p:txBody>
+          <a:bodyPr wrap="square">
+            <a:spAutoFit/>
+          </a:bodyPr>
+          <a:lstStyle/>
+          <a:p>
+            <a:r>
+              <a:rPr lang="en-GB" b="0" dirty="0">
+                <a:solidFill>
+                  <a:srgbClr val="000000"/>
+                </a:solidFill>
+                <a:effectLst/>
+                <a:latin typeface="Consolas" panose="020B0609020204030204" pitchFamily="49" charset="0"/>
+              </a:rPr>
+              <a:t>vel_msg.angular.z</a:t>
+            </a:r>
+            <a:endParaRPr lang="en-GB" b="0" dirty="0">
+              <a:solidFill>
+                <a:srgbClr val="3B3B3B"/>
+              </a:solidFill>
+              <a:effectLst/>
+              <a:latin typeface="Consolas" panose="020B0609020204030204" pitchFamily="49" charset="0"/>
+            </a:endParaRPr>
+          </a:p>
+        </p:txBody>
+      </p:sp>
+    </p:spTree>
+    <p:extLst>
+      <p:ext uri="{BB962C8B-B14F-4D97-AF65-F5344CB8AC3E}">
+        <p14:creationId xmlns:p14="http://schemas.microsoft.com/office/powerpoint/2010/main" val="735934044"/>
+      </p:ext>
+    </p:extLst>
+  </p:cSld>
+  <p:clrMapOvr>
+    <a:masterClrMapping/>
+  </p:clrMapOvr>
+</p:sld>
+</file>
+
 <file path=ppt/theme/theme1.xml><?xml version="1.0" encoding="utf-8"?>
 <a:theme xmlns:a="http://schemas.openxmlformats.org/drawingml/2006/main" name="Tema de Office">
   <a:themeElements>
